--- a/Presentations/00-What_is_Bioinformatics/000-Bioinformatics_Definition.pptx
+++ b/Presentations/00-What_is_Bioinformatics/000-Bioinformatics_Definition.pptx
@@ -715,101 +715,246 @@
           <a:lstStyle/>
           <a:p>
             <a:r>
-              <a:rPr lang="en-GB" dirty="0"/>
-              <a:t>The main purpose of this talk is to establish an appropriate answer to the </a:t>
-            </a:r>
-            <a:r>
-              <a:rPr lang="en-GB" dirty="0" smtClean="0"/>
-              <a:t>question</a:t>
-            </a:r>
-          </a:p>
-          <a:p>
+              <a:rPr lang="en-GB" sz="1200" b="0" i="0" u="none" strike="noStrike" kern="1200" baseline="0" dirty="0" smtClean="0">
+                <a:solidFill>
+                  <a:schemeClr val="tx1"/>
+                </a:solidFill>
+                <a:latin typeface="+mn-lt"/>
+                <a:ea typeface="+mn-ea"/>
+                <a:cs typeface="+mn-cs"/>
+              </a:rPr>
+              <a:t>The main purpose of this talk is to establish an appropriate answer</a:t>
+            </a:r>
+          </a:p>
+          <a:p>
+            <a:r>
+              <a:rPr lang="en-GB" sz="1200" b="0" i="0" u="none" strike="noStrike" kern="1200" baseline="0" dirty="0" smtClean="0">
+                <a:solidFill>
+                  <a:schemeClr val="tx1"/>
+                </a:solidFill>
+                <a:latin typeface="+mn-lt"/>
+                <a:ea typeface="+mn-ea"/>
+                <a:cs typeface="+mn-cs"/>
+              </a:rPr>
+              <a:t>to the question "What is Bioinformatics?“</a:t>
+            </a:r>
+          </a:p>
+          <a:p>
+            <a:endParaRPr lang="en-GB" sz="1200" b="0" i="0" u="none" strike="noStrike" kern="1200" baseline="0" dirty="0" smtClean="0">
+              <a:solidFill>
+                <a:schemeClr val="tx1"/>
+              </a:solidFill>
+              <a:latin typeface="+mn-lt"/>
+              <a:ea typeface="+mn-ea"/>
+              <a:cs typeface="+mn-cs"/>
+            </a:endParaRPr>
+          </a:p>
+          <a:p>
+            <a:r>
+              <a:rPr lang="en-GB" sz="1200" b="0" i="0" u="none" strike="noStrike" kern="1200" baseline="0" dirty="0" smtClean="0">
+                <a:solidFill>
+                  <a:schemeClr val="tx1"/>
+                </a:solidFill>
+                <a:latin typeface="+mn-lt"/>
+                <a:ea typeface="+mn-ea"/>
+                <a:cs typeface="+mn-cs"/>
+              </a:rPr>
+              <a:t>As a swift search with google will confirm, there are number of</a:t>
+            </a:r>
+          </a:p>
+          <a:p>
+            <a:r>
+              <a:rPr lang="en-GB" sz="1200" b="0" i="0" u="none" strike="noStrike" kern="1200" baseline="0" dirty="0" smtClean="0">
+                <a:solidFill>
+                  <a:schemeClr val="tx1"/>
+                </a:solidFill>
+                <a:latin typeface="+mn-lt"/>
+                <a:ea typeface="+mn-ea"/>
+                <a:cs typeface="+mn-cs"/>
+              </a:rPr>
+              <a:t>definitions that vary widely in formality, length and completeness.</a:t>
+            </a:r>
+          </a:p>
+          <a:p>
+            <a:endParaRPr lang="en-GB" sz="1200" b="0" i="0" u="none" strike="noStrike" kern="1200" baseline="0" dirty="0" smtClean="0">
+              <a:solidFill>
+                <a:schemeClr val="tx1"/>
+              </a:solidFill>
+              <a:latin typeface="+mn-lt"/>
+              <a:ea typeface="+mn-ea"/>
+              <a:cs typeface="+mn-cs"/>
+            </a:endParaRPr>
+          </a:p>
+          <a:p>
+            <a:r>
+              <a:rPr lang="en-GB" sz="1200" b="0" i="0" u="none" strike="noStrike" kern="1200" baseline="0" dirty="0" smtClean="0">
+                <a:solidFill>
+                  <a:schemeClr val="tx1"/>
+                </a:solidFill>
+                <a:latin typeface="+mn-lt"/>
+                <a:ea typeface="+mn-ea"/>
+                <a:cs typeface="+mn-cs"/>
+              </a:rPr>
+              <a:t>It would appear that there is considerable freedom to choose a</a:t>
+            </a:r>
+          </a:p>
+          <a:p>
+            <a:r>
+              <a:rPr lang="en-GB" sz="1200" b="0" i="0" u="none" strike="noStrike" kern="1200" baseline="0" dirty="0" smtClean="0">
+                <a:solidFill>
+                  <a:schemeClr val="tx1"/>
+                </a:solidFill>
+                <a:latin typeface="+mn-lt"/>
+                <a:ea typeface="+mn-ea"/>
+                <a:cs typeface="+mn-cs"/>
+              </a:rPr>
+              <a:t>meaning for the term Bioinformatics to fit different circumstances.</a:t>
+            </a:r>
+          </a:p>
+          <a:p>
+            <a:endParaRPr lang="en-GB" sz="1200" b="0" i="0" u="none" strike="noStrike" kern="1200" baseline="0" dirty="0" smtClean="0">
+              <a:solidFill>
+                <a:schemeClr val="tx1"/>
+              </a:solidFill>
+              <a:latin typeface="+mn-lt"/>
+              <a:ea typeface="+mn-ea"/>
+              <a:cs typeface="+mn-cs"/>
+            </a:endParaRPr>
+          </a:p>
+          <a:p>
+            <a:r>
+              <a:rPr lang="en-GB" sz="1200" b="1" i="1" u="none" strike="noStrike" kern="1200" baseline="0" dirty="0" smtClean="0">
+                <a:solidFill>
+                  <a:schemeClr val="tx1"/>
+                </a:solidFill>
+                <a:latin typeface="+mn-lt"/>
+                <a:ea typeface="+mn-ea"/>
+                <a:cs typeface="+mn-cs"/>
+              </a:rPr>
+              <a:t>&lt;Click&gt;</a:t>
+            </a:r>
+          </a:p>
+          <a:p>
+            <a:endParaRPr lang="en-GB" sz="1200" b="1" i="1" u="none" strike="noStrike" kern="1200" baseline="0" dirty="0" smtClean="0">
+              <a:solidFill>
+                <a:schemeClr val="tx1"/>
+              </a:solidFill>
+              <a:latin typeface="+mn-lt"/>
+              <a:ea typeface="+mn-ea"/>
+              <a:cs typeface="+mn-cs"/>
+            </a:endParaRPr>
+          </a:p>
+          <a:p>
+            <a:r>
+              <a:rPr lang="en-GB" sz="1200" b="0" i="0" u="none" strike="noStrike" kern="1200" baseline="0" dirty="0" smtClean="0">
+                <a:solidFill>
+                  <a:schemeClr val="tx1"/>
+                </a:solidFill>
+                <a:latin typeface="+mn-lt"/>
+                <a:ea typeface="+mn-ea"/>
+                <a:cs typeface="+mn-cs"/>
+              </a:rPr>
+              <a:t>Just search for the term with google and you will see what I mean.</a:t>
+            </a:r>
+          </a:p>
+          <a:p>
+            <a:r>
+              <a:rPr lang="en-GB" sz="1200" b="0" i="0" u="none" strike="noStrike" kern="1200" baseline="0" dirty="0" smtClean="0">
+                <a:solidFill>
+                  <a:schemeClr val="tx1"/>
+                </a:solidFill>
+                <a:latin typeface="+mn-lt"/>
+                <a:ea typeface="+mn-ea"/>
+                <a:cs typeface="+mn-cs"/>
+              </a:rPr>
+              <a:t>Suggestions you might find range from a sentence or two to</a:t>
+            </a:r>
+          </a:p>
+          <a:p>
+            <a:r>
+              <a:rPr lang="en-GB" sz="1200" b="0" i="0" u="none" strike="noStrike" kern="1200" baseline="0" dirty="0" smtClean="0">
+                <a:solidFill>
+                  <a:schemeClr val="tx1"/>
+                </a:solidFill>
+                <a:latin typeface="+mn-lt"/>
+                <a:ea typeface="+mn-ea"/>
+                <a:cs typeface="+mn-cs"/>
+              </a:rPr>
+              <a:t>several paragraphs of deep and meaningful discussion!</a:t>
+            </a:r>
+          </a:p>
+          <a:p>
+            <a:endParaRPr lang="en-GB" sz="1200" b="0" i="0" u="none" strike="noStrike" kern="1200" baseline="0" dirty="0" smtClean="0">
+              <a:solidFill>
+                <a:schemeClr val="tx1"/>
+              </a:solidFill>
+              <a:latin typeface="+mn-lt"/>
+              <a:ea typeface="+mn-ea"/>
+              <a:cs typeface="+mn-cs"/>
+            </a:endParaRPr>
+          </a:p>
+          <a:p>
+            <a:r>
+              <a:rPr lang="en-GB" sz="1200" b="0" i="0" u="none" strike="noStrike" kern="1200" baseline="0" dirty="0" smtClean="0">
+                <a:solidFill>
+                  <a:schemeClr val="tx1"/>
+                </a:solidFill>
+                <a:latin typeface="+mn-lt"/>
+                <a:ea typeface="+mn-ea"/>
+                <a:cs typeface="+mn-cs"/>
+              </a:rPr>
+              <a:t>Perhaps the "best" definition will depend on the context in which</a:t>
+            </a:r>
+          </a:p>
+          <a:p>
+            <a:r>
+              <a:rPr lang="en-GB" sz="1200" b="0" i="0" u="none" strike="noStrike" kern="1200" baseline="0" dirty="0" smtClean="0">
+                <a:solidFill>
+                  <a:schemeClr val="tx1"/>
+                </a:solidFill>
+                <a:latin typeface="+mn-lt"/>
+                <a:ea typeface="+mn-ea"/>
+                <a:cs typeface="+mn-cs"/>
+              </a:rPr>
+              <a:t>it is to be applied. In our case, the course upon which you are</a:t>
+            </a:r>
+          </a:p>
+          <a:p>
+            <a:r>
+              <a:rPr lang="en-GB" sz="1200" b="0" i="0" u="none" strike="noStrike" kern="1200" baseline="0" dirty="0" smtClean="0">
+                <a:solidFill>
+                  <a:schemeClr val="tx1"/>
+                </a:solidFill>
+                <a:latin typeface="+mn-lt"/>
+                <a:ea typeface="+mn-ea"/>
+                <a:cs typeface="+mn-cs"/>
+              </a:rPr>
+              <a:t>about to embark.</a:t>
+            </a:r>
+          </a:p>
+          <a:p>
+            <a:endParaRPr lang="en-GB" sz="1200" b="0" i="0" u="none" strike="noStrike" kern="1200" baseline="0" dirty="0" smtClean="0">
+              <a:solidFill>
+                <a:schemeClr val="tx1"/>
+              </a:solidFill>
+              <a:latin typeface="+mn-lt"/>
+              <a:ea typeface="+mn-ea"/>
+              <a:cs typeface="+mn-cs"/>
+            </a:endParaRPr>
+          </a:p>
+          <a:p>
+            <a:r>
+              <a:rPr lang="en-GB" sz="1200" b="1" i="1" u="none" strike="noStrike" kern="1200" baseline="0" dirty="0" smtClean="0">
+                <a:solidFill>
+                  <a:schemeClr val="tx1"/>
+                </a:solidFill>
+                <a:latin typeface="+mn-lt"/>
+                <a:ea typeface="+mn-ea"/>
+                <a:cs typeface="+mn-cs"/>
+              </a:rPr>
+              <a:t>&lt;Click&gt;</a:t>
+            </a:r>
             <a:endParaRPr lang="en-GB" dirty="0"/>
-          </a:p>
-          <a:p>
-            <a:r>
-              <a:rPr lang="en-GB" dirty="0" smtClean="0"/>
-              <a:t>"</a:t>
-            </a:r>
-            <a:r>
-              <a:rPr lang="en-GB" dirty="0"/>
-              <a:t>What is Bioinformatics</a:t>
-            </a:r>
-            <a:r>
-              <a:rPr lang="en-GB" dirty="0" smtClean="0"/>
-              <a:t>?“</a:t>
-            </a:r>
-          </a:p>
-          <a:p>
-            <a:endParaRPr lang="en-GB" dirty="0"/>
-          </a:p>
-          <a:p>
-            <a:r>
-              <a:rPr lang="en-GB" dirty="0"/>
-              <a:t>As a swift search with google will confirm, there are number of definitions that vary widely in formality, length and completeness</a:t>
-            </a:r>
-            <a:r>
-              <a:rPr lang="en-GB" dirty="0" smtClean="0"/>
-              <a:t>.</a:t>
-            </a:r>
-          </a:p>
-          <a:p>
-            <a:endParaRPr lang="en-GB" dirty="0"/>
-          </a:p>
-          <a:p>
-            <a:r>
-              <a:rPr lang="en-GB" dirty="0"/>
-              <a:t>It would appear that there is considerable freedom to choose a meaning for the term Bioinformatics to fit different circumstances</a:t>
-            </a:r>
-            <a:r>
-              <a:rPr lang="en-GB" dirty="0" smtClean="0"/>
-              <a:t>.</a:t>
-            </a:r>
-          </a:p>
-          <a:p>
-            <a:endParaRPr lang="en-GB" dirty="0"/>
-          </a:p>
-          <a:p>
-            <a:r>
-              <a:rPr lang="en-GB" dirty="0"/>
-              <a:t>&lt;Click&gt; </a:t>
-            </a:r>
-            <a:endParaRPr lang="en-GB" dirty="0" smtClean="0"/>
-          </a:p>
-          <a:p>
-            <a:endParaRPr lang="en-GB" dirty="0"/>
-          </a:p>
-          <a:p>
-            <a:r>
-              <a:rPr lang="en-GB" dirty="0"/>
-              <a:t>Just search for the term with google and you will see what I mean. Suggestions you might find range from a sentence or two to several paragraphs of deep and meaningful discussion</a:t>
-            </a:r>
-            <a:r>
-              <a:rPr lang="en-GB" dirty="0" smtClean="0"/>
-              <a:t>!</a:t>
-            </a:r>
-          </a:p>
-          <a:p>
-            <a:endParaRPr lang="en-GB" dirty="0"/>
-          </a:p>
-          <a:p>
-            <a:r>
-              <a:rPr lang="en-GB" dirty="0"/>
-              <a:t>Perhaps the "best" definition will depend on the context in which it is to be applied. In our case, the course upon which you are about to embark</a:t>
-            </a:r>
-            <a:r>
-              <a:rPr lang="en-GB" dirty="0" smtClean="0"/>
-              <a:t>.</a:t>
-            </a:r>
-          </a:p>
-          <a:p>
-            <a:endParaRPr lang="en-GB" dirty="0"/>
-          </a:p>
-          <a:p>
-            <a:r>
-              <a:rPr lang="en-GB" dirty="0"/>
-              <a:t>&lt;Click&gt; </a:t>
-            </a:r>
           </a:p>
         </p:txBody>
       </p:sp>
@@ -899,86 +1044,207 @@
           <a:lstStyle/>
           <a:p>
             <a:r>
-              <a:rPr lang="en-GB" dirty="0"/>
-              <a:t>You will already be familiar with the primary aim of this course, which is to provide a first Introduction to Bioinformatics </a:t>
-            </a:r>
-            <a:endParaRPr lang="en-GB" dirty="0" smtClean="0"/>
-          </a:p>
-          <a:p>
+              <a:rPr lang="en-GB" sz="1200" b="0" i="0" u="none" strike="noStrike" kern="1200" baseline="0" dirty="0" smtClean="0">
+                <a:solidFill>
+                  <a:schemeClr val="tx1"/>
+                </a:solidFill>
+                <a:latin typeface="+mn-lt"/>
+                <a:ea typeface="+mn-ea"/>
+                <a:cs typeface="+mn-cs"/>
+              </a:rPr>
+              <a:t>You will already be familiar with the primary aim of this course,</a:t>
+            </a:r>
+          </a:p>
+          <a:p>
+            <a:r>
+              <a:rPr lang="en-GB" sz="1200" b="0" i="0" u="none" strike="noStrike" kern="1200" baseline="0" dirty="0" smtClean="0">
+                <a:solidFill>
+                  <a:schemeClr val="tx1"/>
+                </a:solidFill>
+                <a:latin typeface="+mn-lt"/>
+                <a:ea typeface="+mn-ea"/>
+                <a:cs typeface="+mn-cs"/>
+              </a:rPr>
+              <a:t>which is to provide a first Introduction to Bioinformatics</a:t>
+            </a:r>
+          </a:p>
+          <a:p>
+            <a:endParaRPr lang="en-GB" sz="1200" b="0" i="0" u="none" strike="noStrike" kern="1200" baseline="0" dirty="0" smtClean="0">
+              <a:solidFill>
+                <a:schemeClr val="tx1"/>
+              </a:solidFill>
+              <a:latin typeface="+mn-lt"/>
+              <a:ea typeface="+mn-ea"/>
+              <a:cs typeface="+mn-cs"/>
+            </a:endParaRPr>
+          </a:p>
+          <a:p>
+            <a:r>
+              <a:rPr lang="en-GB" sz="1200" b="1" i="1" u="none" strike="noStrike" kern="1200" baseline="0" dirty="0" smtClean="0">
+                <a:solidFill>
+                  <a:schemeClr val="tx1"/>
+                </a:solidFill>
+                <a:latin typeface="+mn-lt"/>
+                <a:ea typeface="+mn-ea"/>
+                <a:cs typeface="+mn-cs"/>
+              </a:rPr>
+              <a:t>&lt;Click&gt;</a:t>
+            </a:r>
+          </a:p>
+          <a:p>
+            <a:endParaRPr lang="en-GB" sz="1200" b="1" i="1" u="none" strike="noStrike" kern="1200" baseline="0" dirty="0" smtClean="0">
+              <a:solidFill>
+                <a:schemeClr val="tx1"/>
+              </a:solidFill>
+              <a:latin typeface="+mn-lt"/>
+              <a:ea typeface="+mn-ea"/>
+              <a:cs typeface="+mn-cs"/>
+            </a:endParaRPr>
+          </a:p>
+          <a:p>
+            <a:r>
+              <a:rPr lang="en-GB" sz="1200" b="0" i="0" u="none" strike="noStrike" kern="1200" baseline="0" dirty="0" smtClean="0">
+                <a:solidFill>
+                  <a:schemeClr val="tx1"/>
+                </a:solidFill>
+                <a:latin typeface="+mn-lt"/>
+                <a:ea typeface="+mn-ea"/>
+                <a:cs typeface="+mn-cs"/>
+              </a:rPr>
+              <a:t>and its intended audience, which is Biologists with little or no</a:t>
+            </a:r>
+          </a:p>
+          <a:p>
+            <a:r>
+              <a:rPr lang="en-GB" sz="1200" b="0" i="0" u="none" strike="noStrike" kern="1200" baseline="0" dirty="0" smtClean="0">
+                <a:solidFill>
+                  <a:schemeClr val="tx1"/>
+                </a:solidFill>
+                <a:latin typeface="+mn-lt"/>
+                <a:ea typeface="+mn-ea"/>
+                <a:cs typeface="+mn-cs"/>
+              </a:rPr>
+              <a:t>experience of using Bioinformatics in their studies.</a:t>
+            </a:r>
+          </a:p>
+          <a:p>
+            <a:endParaRPr lang="en-GB" sz="1200" b="0" i="0" u="none" strike="noStrike" kern="1200" baseline="0" dirty="0" smtClean="0">
+              <a:solidFill>
+                <a:schemeClr val="tx1"/>
+              </a:solidFill>
+              <a:latin typeface="+mn-lt"/>
+              <a:ea typeface="+mn-ea"/>
+              <a:cs typeface="+mn-cs"/>
+            </a:endParaRPr>
+          </a:p>
+          <a:p>
+            <a:r>
+              <a:rPr lang="en-GB" sz="1200" b="1" i="1" u="none" strike="noStrike" kern="1200" baseline="0" dirty="0" smtClean="0">
+                <a:solidFill>
+                  <a:schemeClr val="tx1"/>
+                </a:solidFill>
+                <a:latin typeface="+mn-lt"/>
+                <a:ea typeface="+mn-ea"/>
+                <a:cs typeface="+mn-cs"/>
+              </a:rPr>
+              <a:t>&lt;Click&gt;</a:t>
+            </a:r>
+          </a:p>
+          <a:p>
+            <a:endParaRPr lang="en-GB" sz="1200" b="1" i="1" u="none" strike="noStrike" kern="1200" baseline="0" dirty="0" smtClean="0">
+              <a:solidFill>
+                <a:schemeClr val="tx1"/>
+              </a:solidFill>
+              <a:latin typeface="+mn-lt"/>
+              <a:ea typeface="+mn-ea"/>
+              <a:cs typeface="+mn-cs"/>
+            </a:endParaRPr>
+          </a:p>
+          <a:p>
+            <a:r>
+              <a:rPr lang="en-GB" sz="1200" b="0" i="0" u="none" strike="noStrike" kern="1200" baseline="0" dirty="0" smtClean="0">
+                <a:solidFill>
+                  <a:schemeClr val="tx1"/>
+                </a:solidFill>
+                <a:latin typeface="+mn-lt"/>
+                <a:ea typeface="+mn-ea"/>
+                <a:cs typeface="+mn-cs"/>
+              </a:rPr>
+              <a:t>Both of which would suggest the use of a relatively uncomplicated</a:t>
+            </a:r>
+          </a:p>
+          <a:p>
+            <a:r>
+              <a:rPr lang="en-GB" sz="1200" b="0" i="0" u="none" strike="noStrike" kern="1200" baseline="0" dirty="0" smtClean="0">
+                <a:solidFill>
+                  <a:schemeClr val="tx1"/>
+                </a:solidFill>
+                <a:latin typeface="+mn-lt"/>
+                <a:ea typeface="+mn-ea"/>
+                <a:cs typeface="+mn-cs"/>
+              </a:rPr>
+              <a:t>definition that covers all the aspects of Bioinformatics that you</a:t>
+            </a:r>
+          </a:p>
+          <a:p>
+            <a:r>
+              <a:rPr lang="en-GB" sz="1200" b="0" i="0" u="none" strike="noStrike" kern="1200" baseline="0" dirty="0" smtClean="0">
+                <a:solidFill>
+                  <a:schemeClr val="tx1"/>
+                </a:solidFill>
+                <a:latin typeface="+mn-lt"/>
+                <a:ea typeface="+mn-ea"/>
+                <a:cs typeface="+mn-cs"/>
+              </a:rPr>
+              <a:t>will meet in the course of the next few weeks.</a:t>
+            </a:r>
+          </a:p>
+          <a:p>
+            <a:endParaRPr lang="en-GB" sz="1200" b="0" i="0" u="none" strike="noStrike" kern="1200" baseline="0" dirty="0" smtClean="0">
+              <a:solidFill>
+                <a:schemeClr val="tx1"/>
+              </a:solidFill>
+              <a:latin typeface="+mn-lt"/>
+              <a:ea typeface="+mn-ea"/>
+              <a:cs typeface="+mn-cs"/>
+            </a:endParaRPr>
+          </a:p>
+          <a:p>
+            <a:r>
+              <a:rPr lang="en-GB" sz="1200" b="0" i="0" u="none" strike="noStrike" kern="1200" baseline="0" dirty="0" smtClean="0">
+                <a:solidFill>
+                  <a:schemeClr val="tx1"/>
+                </a:solidFill>
+                <a:latin typeface="+mn-lt"/>
+                <a:ea typeface="+mn-ea"/>
+                <a:cs typeface="+mn-cs"/>
+              </a:rPr>
+              <a:t>Perhaps:</a:t>
+            </a:r>
+          </a:p>
+          <a:p>
+            <a:endParaRPr lang="en-GB" sz="1200" b="0" i="0" u="none" strike="noStrike" kern="1200" baseline="0" dirty="0" smtClean="0">
+              <a:solidFill>
+                <a:schemeClr val="tx1"/>
+              </a:solidFill>
+              <a:latin typeface="+mn-lt"/>
+              <a:ea typeface="+mn-ea"/>
+              <a:cs typeface="+mn-cs"/>
+            </a:endParaRPr>
+          </a:p>
+          <a:p>
+            <a:r>
+              <a:rPr lang="en-GB" sz="1200" b="1" i="1" u="none" strike="noStrike" kern="1200" baseline="0" dirty="0" smtClean="0">
+                <a:solidFill>
+                  <a:schemeClr val="tx1"/>
+                </a:solidFill>
+                <a:latin typeface="+mn-lt"/>
+                <a:ea typeface="+mn-ea"/>
+                <a:cs typeface="+mn-cs"/>
+              </a:rPr>
+              <a:t>&lt;Click&gt;</a:t>
+            </a:r>
             <a:endParaRPr lang="en-GB" dirty="0"/>
-          </a:p>
-          <a:p>
-            <a:r>
-              <a:rPr lang="en-GB" dirty="0"/>
-              <a:t>&lt;Click&gt; </a:t>
-            </a:r>
-            <a:endParaRPr lang="en-GB" dirty="0" smtClean="0"/>
-          </a:p>
-          <a:p>
-            <a:endParaRPr lang="en-GB" dirty="0"/>
-          </a:p>
-          <a:p>
-            <a:r>
-              <a:rPr lang="en-GB" dirty="0"/>
-              <a:t>and its intended audience, which is Biologists with little or no experience of using Bioinformatics in their studies</a:t>
-            </a:r>
-            <a:r>
-              <a:rPr lang="en-GB" dirty="0" smtClean="0"/>
-              <a:t>.</a:t>
-            </a:r>
-          </a:p>
-          <a:p>
-            <a:endParaRPr lang="en-GB" dirty="0"/>
-          </a:p>
-          <a:p>
-            <a:r>
-              <a:rPr lang="en-GB" dirty="0"/>
-              <a:t>&lt;Click&gt; </a:t>
-            </a:r>
-            <a:endParaRPr lang="en-GB" dirty="0" smtClean="0"/>
-          </a:p>
-          <a:p>
-            <a:endParaRPr lang="en-GB" dirty="0"/>
-          </a:p>
-          <a:p>
-            <a:r>
-              <a:rPr lang="en-GB" dirty="0"/>
-              <a:t>Both of which would suggest the use of a relatively uncomplicated definition that covers all the </a:t>
-            </a:r>
-            <a:r>
-              <a:rPr lang="en-GB" dirty="0" err="1"/>
-              <a:t>asects</a:t>
-            </a:r>
-            <a:r>
-              <a:rPr lang="en-GB" dirty="0"/>
-              <a:t> of Bioinformatics that you will meet in the course of the next few weeks</a:t>
-            </a:r>
-            <a:r>
-              <a:rPr lang="en-GB" dirty="0" smtClean="0"/>
-              <a:t>.</a:t>
-            </a:r>
-          </a:p>
-          <a:p>
-            <a:endParaRPr lang="en-GB" dirty="0"/>
-          </a:p>
-          <a:p>
-            <a:r>
-              <a:rPr lang="en-GB" dirty="0"/>
-              <a:t>Perhaps</a:t>
-            </a:r>
-            <a:r>
-              <a:rPr lang="en-GB" dirty="0" smtClean="0"/>
-              <a:t>:</a:t>
-            </a:r>
-          </a:p>
-          <a:p>
-            <a:endParaRPr lang="en-GB" dirty="0"/>
-          </a:p>
-          <a:p>
-            <a:r>
-              <a:rPr lang="en-GB" dirty="0"/>
-              <a:t>&lt;Click&gt; </a:t>
-            </a:r>
           </a:p>
         </p:txBody>
       </p:sp>
@@ -1107,337 +1373,674 @@
           <a:bodyPr/>
           <a:lstStyle/>
           <a:p>
-            <a:pPr>
-              <a:lnSpc>
-                <a:spcPct val="90000"/>
-              </a:lnSpc>
-            </a:pPr>
-            <a:r>
-              <a:rPr lang="en-GB" sz="900" dirty="0"/>
-              <a:t>"The design, construction and use of software tools to generate, store, annotate, access and analyse data and information relating to Molecular </a:t>
-            </a:r>
-            <a:r>
-              <a:rPr lang="en-GB" sz="900" dirty="0" smtClean="0"/>
-              <a:t>Biology“</a:t>
-            </a:r>
-          </a:p>
-          <a:p>
-            <a:pPr>
-              <a:lnSpc>
-                <a:spcPct val="90000"/>
-              </a:lnSpc>
-            </a:pPr>
-            <a:endParaRPr lang="en-GB" sz="900" dirty="0"/>
-          </a:p>
-          <a:p>
-            <a:pPr>
-              <a:lnSpc>
-                <a:spcPct val="90000"/>
-              </a:lnSpc>
-            </a:pPr>
-            <a:r>
-              <a:rPr lang="en-GB" sz="900" dirty="0"/>
-              <a:t>Well ... I did say "relatively" uncomplicated</a:t>
-            </a:r>
-            <a:r>
-              <a:rPr lang="en-GB" sz="900" dirty="0" smtClean="0"/>
-              <a:t>?</a:t>
-            </a:r>
-          </a:p>
-          <a:p>
-            <a:pPr>
-              <a:lnSpc>
-                <a:spcPct val="90000"/>
-              </a:lnSpc>
-            </a:pPr>
-            <a:endParaRPr lang="en-GB" sz="900" dirty="0"/>
-          </a:p>
-          <a:p>
-            <a:pPr>
-              <a:lnSpc>
-                <a:spcPct val="90000"/>
-              </a:lnSpc>
-            </a:pPr>
-            <a:r>
-              <a:rPr lang="en-GB" sz="900" dirty="0"/>
-              <a:t>&lt;Click&gt; </a:t>
-            </a:r>
-            <a:endParaRPr lang="en-GB" sz="900" dirty="0" smtClean="0"/>
-          </a:p>
-          <a:p>
-            <a:pPr>
-              <a:lnSpc>
-                <a:spcPct val="90000"/>
-              </a:lnSpc>
-            </a:pPr>
-            <a:endParaRPr lang="en-GB" sz="900" dirty="0"/>
-          </a:p>
-          <a:p>
-            <a:pPr>
-              <a:lnSpc>
-                <a:spcPct val="90000"/>
-              </a:lnSpc>
-            </a:pPr>
-            <a:r>
-              <a:rPr lang="en-GB" sz="900" dirty="0"/>
-              <a:t>In this course, the emphasis will largely be on the use of simple software tools, rather than there construction</a:t>
-            </a:r>
-          </a:p>
-          <a:p>
-            <a:pPr>
-              <a:lnSpc>
-                <a:spcPct val="90000"/>
-              </a:lnSpc>
-            </a:pPr>
-            <a:r>
-              <a:rPr lang="en-GB" sz="900" dirty="0"/>
-              <a:t>However, it is increasingly the case that basic programming skills and familiarity with statistical packages is an essential of Bioinformatics, even at the introductory level</a:t>
-            </a:r>
-            <a:r>
-              <a:rPr lang="en-GB" sz="900" dirty="0" smtClean="0"/>
-              <a:t>.</a:t>
-            </a:r>
-          </a:p>
-          <a:p>
-            <a:pPr>
-              <a:lnSpc>
-                <a:spcPct val="90000"/>
-              </a:lnSpc>
-            </a:pPr>
-            <a:endParaRPr lang="en-GB" sz="900" dirty="0"/>
-          </a:p>
-          <a:p>
-            <a:pPr>
-              <a:lnSpc>
-                <a:spcPct val="90000"/>
-              </a:lnSpc>
-            </a:pPr>
-            <a:r>
-              <a:rPr lang="en-GB" sz="900" dirty="0"/>
-              <a:t>Typical projects are now are sufficiently diverse that it is not safe to assume a ready made software tool will always be available for every purpose</a:t>
-            </a:r>
-            <a:r>
-              <a:rPr lang="en-GB" sz="900" dirty="0" smtClean="0"/>
-              <a:t>.</a:t>
-            </a:r>
-          </a:p>
-          <a:p>
-            <a:pPr>
-              <a:lnSpc>
-                <a:spcPct val="90000"/>
-              </a:lnSpc>
-            </a:pPr>
-            <a:endParaRPr lang="en-GB" sz="900" dirty="0"/>
-          </a:p>
-          <a:p>
-            <a:pPr>
-              <a:lnSpc>
-                <a:spcPct val="90000"/>
-              </a:lnSpc>
-            </a:pPr>
-            <a:r>
-              <a:rPr lang="en-GB" sz="900" dirty="0"/>
-              <a:t>Some capacity to customise and order the available analytical tools is an extremely important skill.</a:t>
-            </a:r>
-          </a:p>
-          <a:p>
-            <a:pPr>
-              <a:lnSpc>
-                <a:spcPct val="90000"/>
-              </a:lnSpc>
-            </a:pPr>
-            <a:r>
-              <a:rPr lang="en-GB" sz="900" dirty="0"/>
-              <a:t>Also many projects now require the analysis of vast amounts of sequence related data</a:t>
-            </a:r>
-            <a:r>
-              <a:rPr lang="en-GB" sz="900" dirty="0" smtClean="0"/>
-              <a:t>.</a:t>
-            </a:r>
-          </a:p>
-          <a:p>
-            <a:pPr>
-              <a:lnSpc>
-                <a:spcPct val="90000"/>
-              </a:lnSpc>
-            </a:pPr>
-            <a:endParaRPr lang="en-GB" sz="900" dirty="0"/>
-          </a:p>
-          <a:p>
-            <a:pPr>
-              <a:lnSpc>
-                <a:spcPct val="90000"/>
-              </a:lnSpc>
-            </a:pPr>
-            <a:r>
-              <a:rPr lang="en-GB" sz="900" dirty="0"/>
-              <a:t>This is not possible without a reasonable understanding of basic statistics and a familiarity with the related software tools</a:t>
-            </a:r>
-            <a:r>
-              <a:rPr lang="en-GB" sz="900" dirty="0" smtClean="0"/>
-              <a:t>.</a:t>
-            </a:r>
-          </a:p>
-          <a:p>
-            <a:pPr>
-              <a:lnSpc>
-                <a:spcPct val="90000"/>
-              </a:lnSpc>
-            </a:pPr>
-            <a:endParaRPr lang="en-GB" sz="900" dirty="0"/>
-          </a:p>
-          <a:p>
-            <a:pPr>
-              <a:lnSpc>
-                <a:spcPct val="90000"/>
-              </a:lnSpc>
-            </a:pPr>
-            <a:r>
-              <a:rPr lang="en-GB" sz="900" dirty="0"/>
-              <a:t>&lt;Click&gt; </a:t>
-            </a:r>
-            <a:endParaRPr lang="en-GB" sz="900" dirty="0" smtClean="0"/>
-          </a:p>
-          <a:p>
-            <a:pPr>
-              <a:lnSpc>
-                <a:spcPct val="90000"/>
-              </a:lnSpc>
-            </a:pPr>
-            <a:endParaRPr lang="en-GB" sz="900" dirty="0"/>
-          </a:p>
-          <a:p>
-            <a:pPr>
-              <a:lnSpc>
-                <a:spcPct val="90000"/>
-              </a:lnSpc>
-            </a:pPr>
-            <a:r>
-              <a:rPr lang="en-GB" sz="900" dirty="0"/>
-              <a:t>In this course, the emphasis will largely be on the access &amp; analysis of data &amp; information rather than their generation or their storage and annotation in databases</a:t>
-            </a:r>
-            <a:r>
-              <a:rPr lang="en-GB" sz="900" dirty="0" smtClean="0"/>
-              <a:t>.</a:t>
-            </a:r>
-          </a:p>
-          <a:p>
-            <a:pPr>
-              <a:lnSpc>
-                <a:spcPct val="90000"/>
-              </a:lnSpc>
-            </a:pPr>
-            <a:endParaRPr lang="en-GB" sz="900" dirty="0"/>
-          </a:p>
-          <a:p>
-            <a:pPr>
-              <a:lnSpc>
-                <a:spcPct val="90000"/>
-              </a:lnSpc>
-            </a:pPr>
-            <a:r>
-              <a:rPr lang="en-GB" sz="900" dirty="0"/>
-              <a:t>Most access and analysis can be achieved with web-based resources, the use of which are normally quite straight forward. Generating data and storing it, with its interpretation, into databases is much more demanding. A good informatics foundation is essential</a:t>
-            </a:r>
-            <a:r>
-              <a:rPr lang="en-GB" sz="900" dirty="0" smtClean="0"/>
-              <a:t>.</a:t>
-            </a:r>
-          </a:p>
-          <a:p>
-            <a:pPr>
-              <a:lnSpc>
-                <a:spcPct val="90000"/>
-              </a:lnSpc>
-            </a:pPr>
-            <a:endParaRPr lang="en-GB" sz="900" dirty="0"/>
-          </a:p>
-          <a:p>
-            <a:pPr>
-              <a:lnSpc>
-                <a:spcPct val="90000"/>
-              </a:lnSpc>
-            </a:pPr>
-            <a:r>
-              <a:rPr lang="en-GB" sz="900" dirty="0"/>
-              <a:t>This is a little unfortunate as, whilst constructing databases is not a common requirement of an individual project, generating sequence related data often is</a:t>
-            </a:r>
-            <a:r>
-              <a:rPr lang="en-GB" sz="900" dirty="0" smtClean="0"/>
-              <a:t>.</a:t>
-            </a:r>
-          </a:p>
-          <a:p>
-            <a:pPr>
-              <a:lnSpc>
-                <a:spcPct val="90000"/>
-              </a:lnSpc>
-            </a:pPr>
-            <a:endParaRPr lang="en-GB" sz="900" dirty="0"/>
-          </a:p>
-          <a:p>
-            <a:pPr>
-              <a:lnSpc>
-                <a:spcPct val="90000"/>
-              </a:lnSpc>
-            </a:pPr>
-            <a:r>
-              <a:rPr lang="en-GB" sz="900" dirty="0"/>
-              <a:t>However, full control over the current software tools associated with modern sequencing techniques requires a moderately good grasp of the Linux operating system as seen from the command line. Something beyond the gentle introduction you will be offered as part of this course</a:t>
-            </a:r>
-            <a:r>
-              <a:rPr lang="en-GB" sz="900" dirty="0" smtClean="0"/>
-              <a:t>.</a:t>
-            </a:r>
-          </a:p>
-          <a:p>
-            <a:pPr>
-              <a:lnSpc>
-                <a:spcPct val="90000"/>
-              </a:lnSpc>
-            </a:pPr>
-            <a:endParaRPr lang="en-GB" sz="900" dirty="0"/>
-          </a:p>
-          <a:p>
-            <a:pPr>
-              <a:lnSpc>
-                <a:spcPct val="90000"/>
-              </a:lnSpc>
-            </a:pPr>
-            <a:r>
-              <a:rPr lang="en-GB" sz="900" dirty="0"/>
-              <a:t>Accordingly, a fully consideration of modern high volume sequencing was considered to be something best tackled separately and subsequently to the current training schedule</a:t>
-            </a:r>
-            <a:r>
-              <a:rPr lang="en-GB" sz="900" dirty="0" smtClean="0"/>
-              <a:t>.</a:t>
-            </a:r>
-          </a:p>
-          <a:p>
-            <a:pPr>
-              <a:lnSpc>
-                <a:spcPct val="90000"/>
-              </a:lnSpc>
-            </a:pPr>
-            <a:endParaRPr lang="en-GB" sz="900" dirty="0"/>
-          </a:p>
-          <a:p>
-            <a:pPr>
-              <a:lnSpc>
-                <a:spcPct val="90000"/>
-              </a:lnSpc>
-            </a:pPr>
-            <a:r>
-              <a:rPr lang="en-GB" sz="900" dirty="0"/>
-              <a:t>&lt;Click&gt; </a:t>
-            </a:r>
-          </a:p>
-          <a:p>
-            <a:pPr>
-              <a:lnSpc>
-                <a:spcPct val="90000"/>
-              </a:lnSpc>
-            </a:pPr>
+            <a:r>
+              <a:rPr lang="en-GB" sz="1200" b="0" i="0" u="none" strike="noStrike" kern="1200" baseline="0" dirty="0" smtClean="0">
+                <a:solidFill>
+                  <a:schemeClr val="tx1"/>
+                </a:solidFill>
+                <a:latin typeface="+mn-lt"/>
+                <a:ea typeface="+mn-ea"/>
+                <a:cs typeface="+mn-cs"/>
+              </a:rPr>
+              <a:t>"The design, construction and use of software tools to generate,</a:t>
+            </a:r>
+          </a:p>
+          <a:p>
+            <a:r>
+              <a:rPr lang="en-GB" sz="1200" b="0" i="0" u="none" strike="noStrike" kern="1200" baseline="0" dirty="0" smtClean="0">
+                <a:solidFill>
+                  <a:schemeClr val="tx1"/>
+                </a:solidFill>
+                <a:latin typeface="+mn-lt"/>
+                <a:ea typeface="+mn-ea"/>
+                <a:cs typeface="+mn-cs"/>
+              </a:rPr>
+              <a:t>store, annotate, access and analyse data and information relating to</a:t>
+            </a:r>
+          </a:p>
+          <a:p>
+            <a:r>
+              <a:rPr lang="en-GB" sz="1200" b="0" i="0" u="none" strike="noStrike" kern="1200" baseline="0" dirty="0" smtClean="0">
+                <a:solidFill>
+                  <a:schemeClr val="tx1"/>
+                </a:solidFill>
+                <a:latin typeface="+mn-lt"/>
+                <a:ea typeface="+mn-ea"/>
+                <a:cs typeface="+mn-cs"/>
+              </a:rPr>
+              <a:t>Molecular Biology“</a:t>
+            </a:r>
+          </a:p>
+          <a:p>
+            <a:endParaRPr lang="en-GB" sz="1200" b="0" i="0" u="none" strike="noStrike" kern="1200" baseline="0" dirty="0" smtClean="0">
+              <a:solidFill>
+                <a:schemeClr val="tx1"/>
+              </a:solidFill>
+              <a:latin typeface="+mn-lt"/>
+              <a:ea typeface="+mn-ea"/>
+              <a:cs typeface="+mn-cs"/>
+            </a:endParaRPr>
+          </a:p>
+          <a:p>
+            <a:r>
+              <a:rPr lang="en-GB" sz="1200" b="0" i="0" u="none" strike="noStrike" kern="1200" baseline="0" dirty="0" smtClean="0">
+                <a:solidFill>
+                  <a:schemeClr val="tx1"/>
+                </a:solidFill>
+                <a:latin typeface="+mn-lt"/>
+                <a:ea typeface="+mn-ea"/>
+                <a:cs typeface="+mn-cs"/>
+              </a:rPr>
+              <a:t>Well ... I did say "relatively" uncomplicated?</a:t>
+            </a:r>
+          </a:p>
+          <a:p>
+            <a:endParaRPr lang="en-GB" sz="1200" b="0" i="0" u="none" strike="noStrike" kern="1200" baseline="0" dirty="0" smtClean="0">
+              <a:solidFill>
+                <a:schemeClr val="tx1"/>
+              </a:solidFill>
+              <a:latin typeface="+mn-lt"/>
+              <a:ea typeface="+mn-ea"/>
+              <a:cs typeface="+mn-cs"/>
+            </a:endParaRPr>
+          </a:p>
+          <a:p>
+            <a:r>
+              <a:rPr lang="en-GB" sz="1200" b="1" i="1" u="none" strike="noStrike" kern="1200" baseline="0" dirty="0" smtClean="0">
+                <a:solidFill>
+                  <a:schemeClr val="tx1"/>
+                </a:solidFill>
+                <a:latin typeface="+mn-lt"/>
+                <a:ea typeface="+mn-ea"/>
+                <a:cs typeface="+mn-cs"/>
+              </a:rPr>
+              <a:t>&lt;Click&gt;</a:t>
+            </a:r>
+          </a:p>
+          <a:p>
+            <a:endParaRPr lang="en-GB" sz="1200" b="1" i="1" u="none" strike="noStrike" kern="1200" baseline="0" dirty="0" smtClean="0">
+              <a:solidFill>
+                <a:schemeClr val="tx1"/>
+              </a:solidFill>
+              <a:latin typeface="+mn-lt"/>
+              <a:ea typeface="+mn-ea"/>
+              <a:cs typeface="+mn-cs"/>
+            </a:endParaRPr>
+          </a:p>
+          <a:p>
+            <a:r>
+              <a:rPr lang="en-GB" sz="1200" b="0" i="0" u="none" strike="noStrike" kern="1200" baseline="0" dirty="0" smtClean="0">
+                <a:solidFill>
+                  <a:schemeClr val="tx1"/>
+                </a:solidFill>
+                <a:latin typeface="+mn-lt"/>
+                <a:ea typeface="+mn-ea"/>
+                <a:cs typeface="+mn-cs"/>
+              </a:rPr>
+              <a:t>In this course, the emphasis will largely be on the use of simple</a:t>
+            </a:r>
+          </a:p>
+          <a:p>
+            <a:r>
+              <a:rPr lang="en-GB" sz="1200" b="0" i="0" u="none" strike="noStrike" kern="1200" baseline="0" dirty="0" smtClean="0">
+                <a:solidFill>
+                  <a:schemeClr val="tx1"/>
+                </a:solidFill>
+                <a:latin typeface="+mn-lt"/>
+                <a:ea typeface="+mn-ea"/>
+                <a:cs typeface="+mn-cs"/>
+              </a:rPr>
+              <a:t>software tools, rather than there construction</a:t>
+            </a:r>
+          </a:p>
+          <a:p>
+            <a:endParaRPr lang="en-GB" sz="1200" b="0" i="0" u="none" strike="noStrike" kern="1200" baseline="0" dirty="0" smtClean="0">
+              <a:solidFill>
+                <a:schemeClr val="tx1"/>
+              </a:solidFill>
+              <a:latin typeface="+mn-lt"/>
+              <a:ea typeface="+mn-ea"/>
+              <a:cs typeface="+mn-cs"/>
+            </a:endParaRPr>
+          </a:p>
+          <a:p>
+            <a:r>
+              <a:rPr lang="en-GB" sz="1200" b="0" i="0" u="none" strike="noStrike" kern="1200" baseline="0" dirty="0" smtClean="0">
+                <a:solidFill>
+                  <a:schemeClr val="tx1"/>
+                </a:solidFill>
+                <a:latin typeface="+mn-lt"/>
+                <a:ea typeface="+mn-ea"/>
+                <a:cs typeface="+mn-cs"/>
+              </a:rPr>
+              <a:t>However, it is increasingly the case that basic programming skills</a:t>
+            </a:r>
+          </a:p>
+          <a:p>
+            <a:r>
+              <a:rPr lang="en-GB" sz="1200" b="0" i="0" u="none" strike="noStrike" kern="1200" baseline="0" dirty="0" smtClean="0">
+                <a:solidFill>
+                  <a:schemeClr val="tx1"/>
+                </a:solidFill>
+                <a:latin typeface="+mn-lt"/>
+                <a:ea typeface="+mn-ea"/>
+                <a:cs typeface="+mn-cs"/>
+              </a:rPr>
+              <a:t>and familiarity with statistical packages are essentials of</a:t>
+            </a:r>
+          </a:p>
+          <a:p>
+            <a:r>
+              <a:rPr lang="en-GB" sz="1200" b="0" i="0" u="none" strike="noStrike" kern="1200" baseline="0" dirty="0" smtClean="0">
+                <a:solidFill>
+                  <a:schemeClr val="tx1"/>
+                </a:solidFill>
+                <a:latin typeface="+mn-lt"/>
+                <a:ea typeface="+mn-ea"/>
+                <a:cs typeface="+mn-cs"/>
+              </a:rPr>
+              <a:t>Bioinformatics, even at the introductory level.</a:t>
+            </a:r>
+          </a:p>
+          <a:p>
+            <a:endParaRPr lang="en-GB" sz="1200" b="0" i="0" u="none" strike="noStrike" kern="1200" baseline="0" dirty="0" smtClean="0">
+              <a:solidFill>
+                <a:schemeClr val="tx1"/>
+              </a:solidFill>
+              <a:latin typeface="+mn-lt"/>
+              <a:ea typeface="+mn-ea"/>
+              <a:cs typeface="+mn-cs"/>
+            </a:endParaRPr>
+          </a:p>
+          <a:p>
+            <a:r>
+              <a:rPr lang="en-GB" sz="1200" b="0" i="0" u="none" strike="noStrike" kern="1200" baseline="0" dirty="0" smtClean="0">
+                <a:solidFill>
+                  <a:schemeClr val="tx1"/>
+                </a:solidFill>
+                <a:latin typeface="+mn-lt"/>
+                <a:ea typeface="+mn-ea"/>
+                <a:cs typeface="+mn-cs"/>
+              </a:rPr>
+              <a:t>Typical projects are now are sufficiently diverse that it is not safe</a:t>
+            </a:r>
+          </a:p>
+          <a:p>
+            <a:r>
+              <a:rPr lang="en-GB" sz="1200" b="0" i="0" u="none" strike="noStrike" kern="1200" baseline="0" dirty="0" smtClean="0">
+                <a:solidFill>
+                  <a:schemeClr val="tx1"/>
+                </a:solidFill>
+                <a:latin typeface="+mn-lt"/>
+                <a:ea typeface="+mn-ea"/>
+                <a:cs typeface="+mn-cs"/>
+              </a:rPr>
+              <a:t>to assume a ready made software tool will always be available for</a:t>
+            </a:r>
+          </a:p>
+          <a:p>
+            <a:r>
+              <a:rPr lang="en-GB" sz="1200" b="0" i="0" u="none" strike="noStrike" kern="1200" baseline="0" dirty="0" smtClean="0">
+                <a:solidFill>
+                  <a:schemeClr val="tx1"/>
+                </a:solidFill>
+                <a:latin typeface="+mn-lt"/>
+                <a:ea typeface="+mn-ea"/>
+                <a:cs typeface="+mn-cs"/>
+              </a:rPr>
+              <a:t>every purpose.</a:t>
+            </a:r>
+          </a:p>
+          <a:p>
+            <a:endParaRPr lang="en-GB" sz="1200" b="0" i="0" u="none" strike="noStrike" kern="1200" baseline="0" dirty="0" smtClean="0">
+              <a:solidFill>
+                <a:schemeClr val="tx1"/>
+              </a:solidFill>
+              <a:latin typeface="+mn-lt"/>
+              <a:ea typeface="+mn-ea"/>
+              <a:cs typeface="+mn-cs"/>
+            </a:endParaRPr>
+          </a:p>
+          <a:p>
+            <a:r>
+              <a:rPr lang="en-GB" sz="1200" b="0" i="0" u="none" strike="noStrike" kern="1200" baseline="0" dirty="0" smtClean="0">
+                <a:solidFill>
+                  <a:schemeClr val="tx1"/>
+                </a:solidFill>
+                <a:latin typeface="+mn-lt"/>
+                <a:ea typeface="+mn-ea"/>
+                <a:cs typeface="+mn-cs"/>
+              </a:rPr>
+              <a:t>Some capacity to customise and order the available analytical</a:t>
+            </a:r>
+          </a:p>
+          <a:p>
+            <a:r>
+              <a:rPr lang="en-GB" sz="1200" b="0" i="0" u="none" strike="noStrike" kern="1200" baseline="0" dirty="0" smtClean="0">
+                <a:solidFill>
+                  <a:schemeClr val="tx1"/>
+                </a:solidFill>
+                <a:latin typeface="+mn-lt"/>
+                <a:ea typeface="+mn-ea"/>
+                <a:cs typeface="+mn-cs"/>
+              </a:rPr>
+              <a:t>tools is an extremely important skill.</a:t>
+            </a:r>
+          </a:p>
+          <a:p>
+            <a:endParaRPr lang="en-GB" sz="1200" b="0" i="0" u="none" strike="noStrike" kern="1200" baseline="0" dirty="0" smtClean="0">
+              <a:solidFill>
+                <a:schemeClr val="tx1"/>
+              </a:solidFill>
+              <a:latin typeface="+mn-lt"/>
+              <a:ea typeface="+mn-ea"/>
+              <a:cs typeface="+mn-cs"/>
+            </a:endParaRPr>
+          </a:p>
+          <a:p>
+            <a:r>
+              <a:rPr lang="en-GB" sz="1200" b="0" i="0" u="none" strike="noStrike" kern="1200" baseline="0" dirty="0" smtClean="0">
+                <a:solidFill>
+                  <a:schemeClr val="tx1"/>
+                </a:solidFill>
+                <a:latin typeface="+mn-lt"/>
+                <a:ea typeface="+mn-ea"/>
+                <a:cs typeface="+mn-cs"/>
+              </a:rPr>
+              <a:t>Also many projects now require the analysis of vast amounts of</a:t>
+            </a:r>
+          </a:p>
+          <a:p>
+            <a:r>
+              <a:rPr lang="en-GB" sz="1200" b="0" i="0" u="none" strike="noStrike" kern="1200" baseline="0" dirty="0" smtClean="0">
+                <a:solidFill>
+                  <a:schemeClr val="tx1"/>
+                </a:solidFill>
+                <a:latin typeface="+mn-lt"/>
+                <a:ea typeface="+mn-ea"/>
+                <a:cs typeface="+mn-cs"/>
+              </a:rPr>
+              <a:t>sequence related data.</a:t>
+            </a:r>
+          </a:p>
+          <a:p>
+            <a:endParaRPr lang="en-GB" sz="1200" b="0" i="0" u="none" strike="noStrike" kern="1200" baseline="0" dirty="0" smtClean="0">
+              <a:solidFill>
+                <a:schemeClr val="tx1"/>
+              </a:solidFill>
+              <a:latin typeface="+mn-lt"/>
+              <a:ea typeface="+mn-ea"/>
+              <a:cs typeface="+mn-cs"/>
+            </a:endParaRPr>
+          </a:p>
+          <a:p>
+            <a:r>
+              <a:rPr lang="en-GB" sz="1200" b="0" i="0" u="none" strike="noStrike" kern="1200" baseline="0" dirty="0" smtClean="0">
+                <a:solidFill>
+                  <a:schemeClr val="tx1"/>
+                </a:solidFill>
+                <a:latin typeface="+mn-lt"/>
+                <a:ea typeface="+mn-ea"/>
+                <a:cs typeface="+mn-cs"/>
+              </a:rPr>
+              <a:t>This is not possible without a reasonable understanding of basic</a:t>
+            </a:r>
+          </a:p>
+          <a:p>
+            <a:r>
+              <a:rPr lang="en-GB" sz="1200" b="0" i="0" u="none" strike="noStrike" kern="1200" baseline="0" dirty="0" smtClean="0">
+                <a:solidFill>
+                  <a:schemeClr val="tx1"/>
+                </a:solidFill>
+                <a:latin typeface="+mn-lt"/>
+                <a:ea typeface="+mn-ea"/>
+                <a:cs typeface="+mn-cs"/>
+              </a:rPr>
+              <a:t>statistics and a familiarity with the related software tools.</a:t>
+            </a:r>
+          </a:p>
+          <a:p>
+            <a:endParaRPr lang="en-GB" sz="1200" b="0" i="0" u="none" strike="noStrike" kern="1200" baseline="0" dirty="0" smtClean="0">
+              <a:solidFill>
+                <a:schemeClr val="tx1"/>
+              </a:solidFill>
+              <a:latin typeface="+mn-lt"/>
+              <a:ea typeface="+mn-ea"/>
+              <a:cs typeface="+mn-cs"/>
+            </a:endParaRPr>
+          </a:p>
+          <a:p>
+            <a:r>
+              <a:rPr lang="en-GB" sz="1200" b="1" i="1" u="none" strike="noStrike" kern="1200" baseline="0" dirty="0" smtClean="0">
+                <a:solidFill>
+                  <a:schemeClr val="tx1"/>
+                </a:solidFill>
+                <a:latin typeface="+mn-lt"/>
+                <a:ea typeface="+mn-ea"/>
+                <a:cs typeface="+mn-cs"/>
+              </a:rPr>
+              <a:t>&lt;Click&gt;</a:t>
+            </a:r>
+          </a:p>
+          <a:p>
+            <a:endParaRPr lang="en-GB" sz="1200" b="1" i="1" u="none" strike="noStrike" kern="1200" baseline="0" dirty="0" smtClean="0">
+              <a:solidFill>
+                <a:schemeClr val="tx1"/>
+              </a:solidFill>
+              <a:latin typeface="+mn-lt"/>
+              <a:ea typeface="+mn-ea"/>
+              <a:cs typeface="+mn-cs"/>
+            </a:endParaRPr>
+          </a:p>
+          <a:p>
+            <a:r>
+              <a:rPr lang="en-GB" sz="1200" b="0" i="0" u="none" strike="noStrike" kern="1200" baseline="0" dirty="0" smtClean="0">
+                <a:solidFill>
+                  <a:schemeClr val="tx1"/>
+                </a:solidFill>
+                <a:latin typeface="+mn-lt"/>
+                <a:ea typeface="+mn-ea"/>
+                <a:cs typeface="+mn-cs"/>
+              </a:rPr>
+              <a:t>In this course, the emphasis will largely be on the access &amp;</a:t>
+            </a:r>
+          </a:p>
+          <a:p>
+            <a:r>
+              <a:rPr lang="en-GB" sz="1200" b="0" i="0" u="none" strike="noStrike" kern="1200" baseline="0" dirty="0" smtClean="0">
+                <a:solidFill>
+                  <a:schemeClr val="tx1"/>
+                </a:solidFill>
+                <a:latin typeface="+mn-lt"/>
+                <a:ea typeface="+mn-ea"/>
+                <a:cs typeface="+mn-cs"/>
+              </a:rPr>
+              <a:t>analysis of data &amp; information rather than their generation or their</a:t>
+            </a:r>
+          </a:p>
+          <a:p>
+            <a:r>
+              <a:rPr lang="en-GB" sz="1200" b="0" i="0" u="none" strike="noStrike" kern="1200" baseline="0" dirty="0" smtClean="0">
+                <a:solidFill>
+                  <a:schemeClr val="tx1"/>
+                </a:solidFill>
+                <a:latin typeface="+mn-lt"/>
+                <a:ea typeface="+mn-ea"/>
+                <a:cs typeface="+mn-cs"/>
+              </a:rPr>
+              <a:t>storage and annotation in databases.</a:t>
+            </a:r>
+          </a:p>
+          <a:p>
+            <a:endParaRPr lang="en-GB" sz="1200" b="0" i="0" u="none" strike="noStrike" kern="1200" baseline="0" dirty="0" smtClean="0">
+              <a:solidFill>
+                <a:schemeClr val="tx1"/>
+              </a:solidFill>
+              <a:latin typeface="+mn-lt"/>
+              <a:ea typeface="+mn-ea"/>
+              <a:cs typeface="+mn-cs"/>
+            </a:endParaRPr>
+          </a:p>
+          <a:p>
+            <a:r>
+              <a:rPr lang="en-GB" sz="1200" b="0" i="0" u="none" strike="noStrike" kern="1200" baseline="0" dirty="0" smtClean="0">
+                <a:solidFill>
+                  <a:schemeClr val="tx1"/>
+                </a:solidFill>
+                <a:latin typeface="+mn-lt"/>
+                <a:ea typeface="+mn-ea"/>
+                <a:cs typeface="+mn-cs"/>
+              </a:rPr>
+              <a:t>Most access and analysis can be achieved with web-based</a:t>
+            </a:r>
+          </a:p>
+          <a:p>
+            <a:r>
+              <a:rPr lang="en-GB" sz="1200" b="0" i="0" u="none" strike="noStrike" kern="1200" baseline="0" dirty="0" smtClean="0">
+                <a:solidFill>
+                  <a:schemeClr val="tx1"/>
+                </a:solidFill>
+                <a:latin typeface="+mn-lt"/>
+                <a:ea typeface="+mn-ea"/>
+                <a:cs typeface="+mn-cs"/>
+              </a:rPr>
+              <a:t>resources, the use of which are normally quite straight forward.</a:t>
+            </a:r>
+          </a:p>
+          <a:p>
+            <a:r>
+              <a:rPr lang="en-GB" sz="1200" b="0" i="0" u="none" strike="noStrike" kern="1200" baseline="0" dirty="0" smtClean="0">
+                <a:solidFill>
+                  <a:schemeClr val="tx1"/>
+                </a:solidFill>
+                <a:latin typeface="+mn-lt"/>
+                <a:ea typeface="+mn-ea"/>
+                <a:cs typeface="+mn-cs"/>
+              </a:rPr>
+              <a:t>Generating data and storing it, with its interpretation, into</a:t>
+            </a:r>
+          </a:p>
+          <a:p>
+            <a:r>
+              <a:rPr lang="en-GB" sz="1200" b="0" i="0" u="none" strike="noStrike" kern="1200" baseline="0" dirty="0" smtClean="0">
+                <a:solidFill>
+                  <a:schemeClr val="tx1"/>
+                </a:solidFill>
+                <a:latin typeface="+mn-lt"/>
+                <a:ea typeface="+mn-ea"/>
+                <a:cs typeface="+mn-cs"/>
+              </a:rPr>
+              <a:t>databases is much more demanding. A good informatics</a:t>
+            </a:r>
+          </a:p>
+          <a:p>
+            <a:r>
+              <a:rPr lang="en-GB" sz="1200" b="0" i="0" u="none" strike="noStrike" kern="1200" baseline="0" dirty="0" smtClean="0">
+                <a:solidFill>
+                  <a:schemeClr val="tx1"/>
+                </a:solidFill>
+                <a:latin typeface="+mn-lt"/>
+                <a:ea typeface="+mn-ea"/>
+                <a:cs typeface="+mn-cs"/>
+              </a:rPr>
+              <a:t>foundation is essential.</a:t>
+            </a:r>
+          </a:p>
+          <a:p>
+            <a:endParaRPr lang="en-GB" sz="1200" b="0" i="0" u="none" strike="noStrike" kern="1200" baseline="0" dirty="0" smtClean="0">
+              <a:solidFill>
+                <a:schemeClr val="tx1"/>
+              </a:solidFill>
+              <a:latin typeface="+mn-lt"/>
+              <a:ea typeface="+mn-ea"/>
+              <a:cs typeface="+mn-cs"/>
+            </a:endParaRPr>
+          </a:p>
+          <a:p>
+            <a:r>
+              <a:rPr lang="en-GB" sz="1200" b="0" i="0" u="none" strike="noStrike" kern="1200" baseline="0" dirty="0" smtClean="0">
+                <a:solidFill>
+                  <a:schemeClr val="tx1"/>
+                </a:solidFill>
+                <a:latin typeface="+mn-lt"/>
+                <a:ea typeface="+mn-ea"/>
+                <a:cs typeface="+mn-cs"/>
+              </a:rPr>
+              <a:t>This is a little unfortunate as, whilst constructing databases is not</a:t>
+            </a:r>
+          </a:p>
+          <a:p>
+            <a:r>
+              <a:rPr lang="en-GB" sz="1200" b="0" i="0" u="none" strike="noStrike" kern="1200" baseline="0" dirty="0" smtClean="0">
+                <a:solidFill>
+                  <a:schemeClr val="tx1"/>
+                </a:solidFill>
+                <a:latin typeface="+mn-lt"/>
+                <a:ea typeface="+mn-ea"/>
+                <a:cs typeface="+mn-cs"/>
+              </a:rPr>
+              <a:t>a common requirement of an individual project, generating</a:t>
+            </a:r>
+          </a:p>
+          <a:p>
+            <a:r>
+              <a:rPr lang="en-GB" sz="1200" b="0" i="0" u="none" strike="noStrike" kern="1200" baseline="0" dirty="0" smtClean="0">
+                <a:solidFill>
+                  <a:schemeClr val="tx1"/>
+                </a:solidFill>
+                <a:latin typeface="+mn-lt"/>
+                <a:ea typeface="+mn-ea"/>
+                <a:cs typeface="+mn-cs"/>
+              </a:rPr>
+              <a:t>sequence related data often is.</a:t>
+            </a:r>
+          </a:p>
+          <a:p>
+            <a:endParaRPr lang="en-GB" sz="1200" b="0" i="0" u="none" strike="noStrike" kern="1200" baseline="0" dirty="0" smtClean="0">
+              <a:solidFill>
+                <a:schemeClr val="tx1"/>
+              </a:solidFill>
+              <a:latin typeface="+mn-lt"/>
+              <a:ea typeface="+mn-ea"/>
+              <a:cs typeface="+mn-cs"/>
+            </a:endParaRPr>
+          </a:p>
+          <a:p>
+            <a:r>
+              <a:rPr lang="en-GB" sz="1200" b="0" i="0" u="none" strike="noStrike" kern="1200" baseline="0" dirty="0" smtClean="0">
+                <a:solidFill>
+                  <a:schemeClr val="tx1"/>
+                </a:solidFill>
+                <a:latin typeface="+mn-lt"/>
+                <a:ea typeface="+mn-ea"/>
+                <a:cs typeface="+mn-cs"/>
+              </a:rPr>
+              <a:t>However, full control over the current software tools associated</a:t>
+            </a:r>
+          </a:p>
+          <a:p>
+            <a:r>
+              <a:rPr lang="en-GB" sz="1200" b="0" i="0" u="none" strike="noStrike" kern="1200" baseline="0" dirty="0" smtClean="0">
+                <a:solidFill>
+                  <a:schemeClr val="tx1"/>
+                </a:solidFill>
+                <a:latin typeface="+mn-lt"/>
+                <a:ea typeface="+mn-ea"/>
+                <a:cs typeface="+mn-cs"/>
+              </a:rPr>
+              <a:t>with modern sequencing techniques requires a moderately good</a:t>
+            </a:r>
+          </a:p>
+          <a:p>
+            <a:r>
+              <a:rPr lang="en-GB" sz="1200" b="0" i="0" u="none" strike="noStrike" kern="1200" baseline="0" dirty="0" smtClean="0">
+                <a:solidFill>
+                  <a:schemeClr val="tx1"/>
+                </a:solidFill>
+                <a:latin typeface="+mn-lt"/>
+                <a:ea typeface="+mn-ea"/>
+                <a:cs typeface="+mn-cs"/>
+              </a:rPr>
+              <a:t>grasp of the Linux operating system as seen from the command</a:t>
+            </a:r>
+          </a:p>
+          <a:p>
+            <a:r>
+              <a:rPr lang="en-GB" sz="1200" b="0" i="0" u="none" strike="noStrike" kern="1200" baseline="0" dirty="0" smtClean="0">
+                <a:solidFill>
+                  <a:schemeClr val="tx1"/>
+                </a:solidFill>
+                <a:latin typeface="+mn-lt"/>
+                <a:ea typeface="+mn-ea"/>
+                <a:cs typeface="+mn-cs"/>
+              </a:rPr>
+              <a:t>line. Something beyond the gentle introduction you will be offered</a:t>
+            </a:r>
+          </a:p>
+          <a:p>
+            <a:r>
+              <a:rPr lang="en-GB" sz="1200" b="0" i="0" u="none" strike="noStrike" kern="1200" baseline="0" dirty="0" smtClean="0">
+                <a:solidFill>
+                  <a:schemeClr val="tx1"/>
+                </a:solidFill>
+                <a:latin typeface="+mn-lt"/>
+                <a:ea typeface="+mn-ea"/>
+                <a:cs typeface="+mn-cs"/>
+              </a:rPr>
+              <a:t>as part of this course.</a:t>
+            </a:r>
+          </a:p>
+          <a:p>
+            <a:endParaRPr lang="en-GB" sz="1200" b="0" i="0" u="none" strike="noStrike" kern="1200" baseline="0" dirty="0" smtClean="0">
+              <a:solidFill>
+                <a:schemeClr val="tx1"/>
+              </a:solidFill>
+              <a:latin typeface="+mn-lt"/>
+              <a:ea typeface="+mn-ea"/>
+              <a:cs typeface="+mn-cs"/>
+            </a:endParaRPr>
+          </a:p>
+          <a:p>
+            <a:r>
+              <a:rPr lang="en-GB" sz="1200" b="0" i="0" u="none" strike="noStrike" kern="1200" baseline="0" dirty="0" smtClean="0">
+                <a:solidFill>
+                  <a:schemeClr val="tx1"/>
+                </a:solidFill>
+                <a:latin typeface="+mn-lt"/>
+                <a:ea typeface="+mn-ea"/>
+                <a:cs typeface="+mn-cs"/>
+              </a:rPr>
+              <a:t>Accordingly, a fully consideration of modern high volume</a:t>
+            </a:r>
+          </a:p>
+          <a:p>
+            <a:r>
+              <a:rPr lang="en-GB" sz="1200" b="0" i="0" u="none" strike="noStrike" kern="1200" baseline="0" dirty="0" smtClean="0">
+                <a:solidFill>
+                  <a:schemeClr val="tx1"/>
+                </a:solidFill>
+                <a:latin typeface="+mn-lt"/>
+                <a:ea typeface="+mn-ea"/>
+                <a:cs typeface="+mn-cs"/>
+              </a:rPr>
+              <a:t>sequencing was considered to be something best tackled</a:t>
+            </a:r>
+          </a:p>
+          <a:p>
+            <a:r>
+              <a:rPr lang="en-GB" sz="1200" b="0" i="0" u="none" strike="noStrike" kern="1200" baseline="0" dirty="0" smtClean="0">
+                <a:solidFill>
+                  <a:schemeClr val="tx1"/>
+                </a:solidFill>
+                <a:latin typeface="+mn-lt"/>
+                <a:ea typeface="+mn-ea"/>
+                <a:cs typeface="+mn-cs"/>
+              </a:rPr>
+              <a:t>separately and subsequently to the current training schedule.</a:t>
+            </a:r>
+          </a:p>
+          <a:p>
+            <a:endParaRPr lang="en-GB" sz="1200" b="0" i="0" u="none" strike="noStrike" kern="1200" baseline="0" dirty="0" smtClean="0">
+              <a:solidFill>
+                <a:schemeClr val="tx1"/>
+              </a:solidFill>
+              <a:latin typeface="+mn-lt"/>
+              <a:ea typeface="+mn-ea"/>
+              <a:cs typeface="+mn-cs"/>
+            </a:endParaRPr>
+          </a:p>
+          <a:p>
+            <a:r>
+              <a:rPr lang="en-GB" sz="1200" b="1" i="1" u="none" strike="noStrike" kern="1200" baseline="0" dirty="0" smtClean="0">
+                <a:solidFill>
+                  <a:schemeClr val="tx1"/>
+                </a:solidFill>
+                <a:latin typeface="+mn-lt"/>
+                <a:ea typeface="+mn-ea"/>
+                <a:cs typeface="+mn-cs"/>
+              </a:rPr>
+              <a:t>&lt;Click&gt;</a:t>
+            </a:r>
             <a:endParaRPr lang="en-GB" sz="900" dirty="0"/>
           </a:p>
         </p:txBody>
@@ -1505,65 +2108,185 @@
           <a:lstStyle/>
           <a:p>
             <a:r>
-              <a:rPr lang="en-GB" dirty="0"/>
-              <a:t>And now it is your turn! To think though a few simple issues. Maybe when you have come to an individual or group opinion, you would like to submit your views for course wide consideration</a:t>
-            </a:r>
-            <a:r>
-              <a:rPr lang="en-GB" dirty="0" smtClean="0"/>
-              <a:t>?</a:t>
-            </a:r>
-          </a:p>
-          <a:p>
-            <a:endParaRPr lang="en-GB" dirty="0"/>
-          </a:p>
-          <a:p>
-            <a:r>
-              <a:rPr lang="en-GB" dirty="0"/>
-              <a:t>I imagine you will be likely to change you views as the course proceeds, so there is no real necessity for an instant response, just a bit of </a:t>
-            </a:r>
-            <a:r>
-              <a:rPr lang="en-GB" dirty="0" smtClean="0"/>
-              <a:t>preliminary </a:t>
-            </a:r>
-            <a:r>
-              <a:rPr lang="en-GB" dirty="0"/>
-              <a:t>investigation and </a:t>
-            </a:r>
-            <a:r>
-              <a:rPr lang="en-GB" dirty="0" smtClean="0"/>
-              <a:t>evaluation</a:t>
-            </a:r>
-          </a:p>
-          <a:p>
-            <a:endParaRPr lang="en-GB" dirty="0"/>
-          </a:p>
-          <a:p>
-            <a:r>
-              <a:rPr lang="en-GB" dirty="0"/>
-              <a:t>&lt;Click&gt; </a:t>
-            </a:r>
-            <a:endParaRPr lang="en-GB" dirty="0" smtClean="0"/>
-          </a:p>
-          <a:p>
-            <a:endParaRPr lang="en-GB" dirty="0"/>
-          </a:p>
-          <a:p>
-            <a:r>
-              <a:rPr lang="en-GB" dirty="0"/>
-              <a:t>So first ... my definition of Bioinformatics. I feel sure this can be improved! Feel very free to be cruel</a:t>
-            </a:r>
-            <a:r>
-              <a:rPr lang="en-GB" dirty="0" smtClean="0"/>
-              <a:t>.</a:t>
-            </a:r>
-          </a:p>
-          <a:p>
-            <a:endParaRPr lang="en-GB" dirty="0"/>
-          </a:p>
-          <a:p>
-            <a:r>
-              <a:rPr lang="en-GB" dirty="0"/>
-              <a:t>&lt;Click&gt; </a:t>
+              <a:rPr lang="en-GB" sz="1200" b="0" i="0" u="none" strike="noStrike" kern="1200" baseline="0" dirty="0" smtClean="0">
+                <a:solidFill>
+                  <a:schemeClr val="tx1"/>
+                </a:solidFill>
+                <a:latin typeface="+mn-lt"/>
+                <a:ea typeface="+mn-ea"/>
+                <a:cs typeface="+mn-cs"/>
+              </a:rPr>
+              <a:t>And now it is your turn! To think though a few simple issues.</a:t>
+            </a:r>
+          </a:p>
+          <a:p>
+            <a:r>
+              <a:rPr lang="en-GB" sz="1200" b="0" i="0" u="none" strike="noStrike" kern="1200" baseline="0" dirty="0" smtClean="0">
+                <a:solidFill>
+                  <a:schemeClr val="tx1"/>
+                </a:solidFill>
+                <a:latin typeface="+mn-lt"/>
+                <a:ea typeface="+mn-ea"/>
+                <a:cs typeface="+mn-cs"/>
+              </a:rPr>
+              <a:t>Maybe when you have come to an individual or group opinion,</a:t>
+            </a:r>
+          </a:p>
+          <a:p>
+            <a:r>
+              <a:rPr lang="en-GB" sz="1200" b="0" i="0" u="none" strike="noStrike" kern="1200" baseline="0" dirty="0" smtClean="0">
+                <a:solidFill>
+                  <a:schemeClr val="tx1"/>
+                </a:solidFill>
+                <a:latin typeface="+mn-lt"/>
+                <a:ea typeface="+mn-ea"/>
+                <a:cs typeface="+mn-cs"/>
+              </a:rPr>
+              <a:t>you would like to submit your views for course wide</a:t>
+            </a:r>
+          </a:p>
+          <a:p>
+            <a:r>
+              <a:rPr lang="en-GB" sz="1200" b="0" i="0" u="none" strike="noStrike" kern="1200" baseline="0" dirty="0" smtClean="0">
+                <a:solidFill>
+                  <a:schemeClr val="tx1"/>
+                </a:solidFill>
+                <a:latin typeface="+mn-lt"/>
+                <a:ea typeface="+mn-ea"/>
+                <a:cs typeface="+mn-cs"/>
+              </a:rPr>
+              <a:t>consideration?</a:t>
+            </a:r>
+          </a:p>
+          <a:p>
+            <a:endParaRPr lang="en-GB" sz="1200" b="0" i="0" u="none" strike="noStrike" kern="1200" baseline="0" dirty="0" smtClean="0">
+              <a:solidFill>
+                <a:schemeClr val="tx1"/>
+              </a:solidFill>
+              <a:latin typeface="+mn-lt"/>
+              <a:ea typeface="+mn-ea"/>
+              <a:cs typeface="+mn-cs"/>
+            </a:endParaRPr>
+          </a:p>
+          <a:p>
+            <a:r>
+              <a:rPr lang="en-GB" sz="1200" b="0" i="0" u="none" strike="noStrike" kern="1200" baseline="0" dirty="0" smtClean="0">
+                <a:solidFill>
+                  <a:schemeClr val="tx1"/>
+                </a:solidFill>
+                <a:latin typeface="+mn-lt"/>
+                <a:ea typeface="+mn-ea"/>
+                <a:cs typeface="+mn-cs"/>
+              </a:rPr>
+              <a:t>I imagine you will be likely to change you views as the course</a:t>
+            </a:r>
+          </a:p>
+          <a:p>
+            <a:r>
+              <a:rPr lang="en-GB" sz="1200" b="0" i="0" u="none" strike="noStrike" kern="1200" baseline="0" dirty="0" smtClean="0">
+                <a:solidFill>
+                  <a:schemeClr val="tx1"/>
+                </a:solidFill>
+                <a:latin typeface="+mn-lt"/>
+                <a:ea typeface="+mn-ea"/>
+                <a:cs typeface="+mn-cs"/>
+              </a:rPr>
+              <a:t>proceeds, so there is no real necessity for an instant response, just</a:t>
+            </a:r>
+          </a:p>
+          <a:p>
+            <a:r>
+              <a:rPr lang="en-GB" sz="1200" b="0" i="0" u="none" strike="noStrike" kern="1200" baseline="0" dirty="0" smtClean="0">
+                <a:solidFill>
+                  <a:schemeClr val="tx1"/>
+                </a:solidFill>
+                <a:latin typeface="+mn-lt"/>
+                <a:ea typeface="+mn-ea"/>
+                <a:cs typeface="+mn-cs"/>
+              </a:rPr>
+              <a:t>a bit of preliminary investigation and evaluation</a:t>
+            </a:r>
+          </a:p>
+          <a:p>
+            <a:endParaRPr lang="en-GB" sz="1200" b="0" i="0" u="none" strike="noStrike" kern="1200" baseline="0" dirty="0" smtClean="0">
+              <a:solidFill>
+                <a:schemeClr val="tx1"/>
+              </a:solidFill>
+              <a:latin typeface="+mn-lt"/>
+              <a:ea typeface="+mn-ea"/>
+              <a:cs typeface="+mn-cs"/>
+            </a:endParaRPr>
+          </a:p>
+          <a:p>
+            <a:r>
+              <a:rPr lang="en-GB" sz="1200" b="1" i="1" u="none" strike="noStrike" kern="1200" baseline="0" dirty="0" smtClean="0">
+                <a:solidFill>
+                  <a:schemeClr val="tx1"/>
+                </a:solidFill>
+                <a:latin typeface="+mn-lt"/>
+                <a:ea typeface="+mn-ea"/>
+                <a:cs typeface="+mn-cs"/>
+              </a:rPr>
+              <a:t>&lt;Click&gt;</a:t>
+            </a:r>
+          </a:p>
+          <a:p>
+            <a:endParaRPr lang="en-GB" sz="1200" b="1" i="1" u="none" strike="noStrike" kern="1200" baseline="0" dirty="0" smtClean="0">
+              <a:solidFill>
+                <a:schemeClr val="tx1"/>
+              </a:solidFill>
+              <a:latin typeface="+mn-lt"/>
+              <a:ea typeface="+mn-ea"/>
+              <a:cs typeface="+mn-cs"/>
+            </a:endParaRPr>
+          </a:p>
+          <a:p>
+            <a:r>
+              <a:rPr lang="en-GB" sz="1200" b="0" i="0" u="none" strike="noStrike" kern="1200" baseline="0" dirty="0" smtClean="0">
+                <a:solidFill>
+                  <a:schemeClr val="tx1"/>
+                </a:solidFill>
+                <a:latin typeface="+mn-lt"/>
+                <a:ea typeface="+mn-ea"/>
+                <a:cs typeface="+mn-cs"/>
+              </a:rPr>
+              <a:t>So first ... my definition of Bioinformatics. I feel sure this can be</a:t>
+            </a:r>
+          </a:p>
+          <a:p>
+            <a:r>
+              <a:rPr lang="en-GB" sz="1200" b="0" i="0" u="none" strike="noStrike" kern="1200" baseline="0" dirty="0" smtClean="0">
+                <a:solidFill>
+                  <a:schemeClr val="tx1"/>
+                </a:solidFill>
+                <a:latin typeface="+mn-lt"/>
+                <a:ea typeface="+mn-ea"/>
+                <a:cs typeface="+mn-cs"/>
+              </a:rPr>
+              <a:t>improved! Feel very free to be cruel.</a:t>
+            </a:r>
+          </a:p>
+          <a:p>
+            <a:endParaRPr lang="en-GB" sz="1200" b="0" i="0" u="none" strike="noStrike" kern="1200" baseline="0" dirty="0" smtClean="0">
+              <a:solidFill>
+                <a:schemeClr val="tx1"/>
+              </a:solidFill>
+              <a:latin typeface="+mn-lt"/>
+              <a:ea typeface="+mn-ea"/>
+              <a:cs typeface="+mn-cs"/>
+            </a:endParaRPr>
+          </a:p>
+          <a:p>
+            <a:r>
+              <a:rPr lang="en-GB" sz="1200" b="1" i="1" u="none" strike="noStrike" kern="1200" baseline="0" dirty="0" smtClean="0">
+                <a:solidFill>
+                  <a:schemeClr val="tx1"/>
+                </a:solidFill>
+                <a:latin typeface="+mn-lt"/>
+                <a:ea typeface="+mn-ea"/>
+                <a:cs typeface="+mn-cs"/>
+              </a:rPr>
+              <a:t>&lt;Click&gt;</a:t>
             </a:r>
             <a:endParaRPr lang="en-GB" dirty="0" smtClean="0"/>
           </a:p>
@@ -1655,61 +2378,221 @@
           <a:lstStyle/>
           <a:p>
             <a:r>
-              <a:rPr lang="en-GB" dirty="0"/>
-              <a:t>Computational Biology is certainly related to Bioinformatics, but not (in the judgement of most) the same thing. Take a look at a few </a:t>
-            </a:r>
-            <a:r>
-              <a:rPr lang="en-GB" dirty="0" smtClean="0"/>
-              <a:t>definitions</a:t>
-            </a:r>
-          </a:p>
-          <a:p>
+              <a:rPr lang="en-GB" sz="1200" b="0" i="0" u="none" strike="noStrike" kern="1200" baseline="0" dirty="0" smtClean="0">
+                <a:solidFill>
+                  <a:schemeClr val="tx1"/>
+                </a:solidFill>
+                <a:latin typeface="+mn-lt"/>
+                <a:ea typeface="+mn-ea"/>
+                <a:cs typeface="+mn-cs"/>
+              </a:rPr>
+              <a:t>Computational Biology is certainly related to Bioinformatics, but</a:t>
+            </a:r>
+          </a:p>
+          <a:p>
+            <a:r>
+              <a:rPr lang="en-GB" sz="1200" b="0" i="0" u="none" strike="noStrike" kern="1200" baseline="0" dirty="0" smtClean="0">
+                <a:solidFill>
+                  <a:schemeClr val="tx1"/>
+                </a:solidFill>
+                <a:latin typeface="+mn-lt"/>
+                <a:ea typeface="+mn-ea"/>
+                <a:cs typeface="+mn-cs"/>
+              </a:rPr>
+              <a:t>not (in the judgement of most) the same thing. Take a look at a</a:t>
+            </a:r>
+          </a:p>
+          <a:p>
+            <a:r>
+              <a:rPr lang="en-GB" sz="1200" b="0" i="0" u="none" strike="noStrike" kern="1200" baseline="0" dirty="0" smtClean="0">
+                <a:solidFill>
+                  <a:schemeClr val="tx1"/>
+                </a:solidFill>
+                <a:latin typeface="+mn-lt"/>
+                <a:ea typeface="+mn-ea"/>
+                <a:cs typeface="+mn-cs"/>
+              </a:rPr>
+              <a:t>few definitions</a:t>
+            </a:r>
+          </a:p>
+          <a:p>
+            <a:endParaRPr lang="en-GB" sz="1200" b="0" i="0" u="none" strike="noStrike" kern="1200" baseline="0" dirty="0" smtClean="0">
+              <a:solidFill>
+                <a:schemeClr val="tx1"/>
+              </a:solidFill>
+              <a:latin typeface="+mn-lt"/>
+              <a:ea typeface="+mn-ea"/>
+              <a:cs typeface="+mn-cs"/>
+            </a:endParaRPr>
+          </a:p>
+          <a:p>
+            <a:r>
+              <a:rPr lang="en-GB" sz="1200" b="1" i="1" u="none" strike="noStrike" kern="1200" baseline="0" dirty="0" smtClean="0">
+                <a:solidFill>
+                  <a:schemeClr val="tx1"/>
+                </a:solidFill>
+                <a:latin typeface="+mn-lt"/>
+                <a:ea typeface="+mn-ea"/>
+                <a:cs typeface="+mn-cs"/>
+              </a:rPr>
+              <a:t>&lt;Click&gt;</a:t>
+            </a:r>
+          </a:p>
+          <a:p>
+            <a:endParaRPr lang="en-GB" sz="1200" b="1" i="1" u="none" strike="noStrike" kern="1200" baseline="0" dirty="0" smtClean="0">
+              <a:solidFill>
+                <a:schemeClr val="tx1"/>
+              </a:solidFill>
+              <a:latin typeface="+mn-lt"/>
+              <a:ea typeface="+mn-ea"/>
+              <a:cs typeface="+mn-cs"/>
+            </a:endParaRPr>
+          </a:p>
+          <a:p>
+            <a:r>
+              <a:rPr lang="en-GB" sz="1200" b="0" i="0" u="none" strike="noStrike" kern="1200" baseline="0" dirty="0" smtClean="0">
+                <a:solidFill>
+                  <a:schemeClr val="tx1"/>
+                </a:solidFill>
+                <a:latin typeface="+mn-lt"/>
+                <a:ea typeface="+mn-ea"/>
+                <a:cs typeface="+mn-cs"/>
+              </a:rPr>
+              <a:t>and come to your own conclusions.</a:t>
+            </a:r>
+          </a:p>
+          <a:p>
+            <a:endParaRPr lang="en-GB" sz="1200" b="0" i="0" u="none" strike="noStrike" kern="1200" baseline="0" dirty="0" smtClean="0">
+              <a:solidFill>
+                <a:schemeClr val="tx1"/>
+              </a:solidFill>
+              <a:latin typeface="+mn-lt"/>
+              <a:ea typeface="+mn-ea"/>
+              <a:cs typeface="+mn-cs"/>
+            </a:endParaRPr>
+          </a:p>
+          <a:p>
+            <a:r>
+              <a:rPr lang="en-GB" sz="1200" b="1" i="1" u="none" strike="noStrike" kern="1200" baseline="0" dirty="0" smtClean="0">
+                <a:solidFill>
+                  <a:schemeClr val="tx1"/>
+                </a:solidFill>
+                <a:latin typeface="+mn-lt"/>
+                <a:ea typeface="+mn-ea"/>
+                <a:cs typeface="+mn-cs"/>
+              </a:rPr>
+              <a:t>&lt;Click&gt;</a:t>
+            </a:r>
+          </a:p>
+          <a:p>
+            <a:endParaRPr lang="en-GB" sz="1200" b="1" i="1" u="none" strike="noStrike" kern="1200" baseline="0" dirty="0" smtClean="0">
+              <a:solidFill>
+                <a:schemeClr val="tx1"/>
+              </a:solidFill>
+              <a:latin typeface="+mn-lt"/>
+              <a:ea typeface="+mn-ea"/>
+              <a:cs typeface="+mn-cs"/>
+            </a:endParaRPr>
+          </a:p>
+          <a:p>
+            <a:r>
+              <a:rPr lang="en-GB" sz="1200" b="0" i="0" u="none" strike="noStrike" kern="1200" baseline="0" dirty="0" smtClean="0">
+                <a:solidFill>
+                  <a:schemeClr val="tx1"/>
+                </a:solidFill>
+                <a:latin typeface="+mn-lt"/>
+                <a:ea typeface="+mn-ea"/>
+                <a:cs typeface="+mn-cs"/>
+              </a:rPr>
+              <a:t>If you agree with the majority view that Computational Biology</a:t>
+            </a:r>
+          </a:p>
+          <a:p>
+            <a:r>
+              <a:rPr lang="en-GB" sz="1200" b="0" i="0" u="none" strike="noStrike" kern="1200" baseline="0" dirty="0" smtClean="0">
+                <a:solidFill>
+                  <a:schemeClr val="tx1"/>
+                </a:solidFill>
+                <a:latin typeface="+mn-lt"/>
+                <a:ea typeface="+mn-ea"/>
+                <a:cs typeface="+mn-cs"/>
+              </a:rPr>
+              <a:t>and Bioinformatics differ, what do you consider to be the</a:t>
+            </a:r>
+          </a:p>
+          <a:p>
+            <a:r>
+              <a:rPr lang="en-GB" sz="1200" b="0" i="0" u="none" strike="noStrike" kern="1200" baseline="0" dirty="0" smtClean="0">
+                <a:solidFill>
+                  <a:schemeClr val="tx1"/>
+                </a:solidFill>
+                <a:latin typeface="+mn-lt"/>
+                <a:ea typeface="+mn-ea"/>
+                <a:cs typeface="+mn-cs"/>
+              </a:rPr>
+              <a:t>differences and the points of </a:t>
+            </a:r>
+            <a:r>
+              <a:rPr lang="en-GB" sz="1200" b="0" i="0" u="none" strike="noStrike" kern="1200" baseline="0" smtClean="0">
+                <a:solidFill>
+                  <a:schemeClr val="tx1"/>
+                </a:solidFill>
+                <a:latin typeface="+mn-lt"/>
+                <a:ea typeface="+mn-ea"/>
+                <a:cs typeface="+mn-cs"/>
+              </a:rPr>
+              <a:t>overlap?</a:t>
+            </a:r>
+          </a:p>
+          <a:p>
+            <a:endParaRPr lang="en-GB" sz="1200" b="0" i="0" u="none" strike="noStrike" kern="1200" baseline="0" dirty="0" smtClean="0">
+              <a:solidFill>
+                <a:schemeClr val="tx1"/>
+              </a:solidFill>
+              <a:latin typeface="+mn-lt"/>
+              <a:ea typeface="+mn-ea"/>
+              <a:cs typeface="+mn-cs"/>
+            </a:endParaRPr>
+          </a:p>
+          <a:p>
+            <a:r>
+              <a:rPr lang="en-GB" sz="1200" b="0" i="0" u="none" strike="noStrike" kern="1200" baseline="0" dirty="0" smtClean="0">
+                <a:solidFill>
+                  <a:schemeClr val="tx1"/>
+                </a:solidFill>
+                <a:latin typeface="+mn-lt"/>
+                <a:ea typeface="+mn-ea"/>
+                <a:cs typeface="+mn-cs"/>
+              </a:rPr>
+              <a:t>Time for tea? Next we consider some of the individual elements of</a:t>
+            </a:r>
+          </a:p>
+          <a:p>
+            <a:r>
+              <a:rPr lang="en-GB" sz="1200" b="0" i="0" u="none" strike="noStrike" kern="1200" baseline="0" dirty="0" smtClean="0">
+                <a:solidFill>
+                  <a:schemeClr val="tx1"/>
+                </a:solidFill>
+                <a:latin typeface="+mn-lt"/>
+                <a:ea typeface="+mn-ea"/>
+                <a:cs typeface="+mn-cs"/>
+              </a:rPr>
+              <a:t>Bioinformatics, concentrating on those to be presented to you in</a:t>
+            </a:r>
+          </a:p>
+          <a:p>
+            <a:r>
+              <a:rPr lang="en-GB" sz="1200" b="0" i="0" u="none" strike="noStrike" kern="1200" baseline="0" dirty="0" smtClean="0">
+                <a:solidFill>
+                  <a:schemeClr val="tx1"/>
+                </a:solidFill>
+                <a:latin typeface="+mn-lt"/>
+                <a:ea typeface="+mn-ea"/>
+                <a:cs typeface="+mn-cs"/>
+              </a:rPr>
+              <a:t>the coming weeks.</a:t>
+            </a:r>
             <a:endParaRPr lang="en-GB" dirty="0"/>
-          </a:p>
-          <a:p>
-            <a:r>
-              <a:rPr lang="en-GB" dirty="0"/>
-              <a:t>&lt;Click&gt; </a:t>
-            </a:r>
-            <a:endParaRPr lang="en-GB" dirty="0" smtClean="0"/>
-          </a:p>
-          <a:p>
-            <a:endParaRPr lang="en-GB" dirty="0"/>
-          </a:p>
-          <a:p>
-            <a:r>
-              <a:rPr lang="en-GB" dirty="0"/>
-              <a:t>and come to your own conclusions</a:t>
-            </a:r>
-            <a:r>
-              <a:rPr lang="en-GB" dirty="0" smtClean="0"/>
-              <a:t>.</a:t>
-            </a:r>
-          </a:p>
-          <a:p>
-            <a:endParaRPr lang="en-GB" dirty="0"/>
-          </a:p>
-          <a:p>
-            <a:r>
-              <a:rPr lang="en-GB" dirty="0"/>
-              <a:t>&lt;Click&gt; </a:t>
-            </a:r>
-            <a:endParaRPr lang="en-GB" dirty="0" smtClean="0"/>
-          </a:p>
-          <a:p>
-            <a:endParaRPr lang="en-GB" dirty="0"/>
-          </a:p>
-          <a:p>
-            <a:r>
-              <a:rPr lang="en-GB" dirty="0"/>
-              <a:t>If you agree with the majority view that Computational Biology and Bioinformatics differ, what do you consider to be the differences and the points of overlap?</a:t>
-            </a:r>
-          </a:p>
-          <a:p>
-            <a:r>
-              <a:rPr lang="en-GB" dirty="0"/>
-              <a:t>Time for tea? Next we consider some of the individual elements of Bioinformatics, concentrating on those to be presented to you in the coming weeks.</a:t>
-            </a:r>
           </a:p>
         </p:txBody>
       </p:sp>
